--- a/Power BI Role Level Security.pptx
+++ b/Power BI Role Level Security.pptx
@@ -5,11 +5,26 @@
     <p:sldMasterId id="2147483648" r:id="rId1"/>
   </p:sldMasterIdLst>
   <p:notesMasterIdLst>
-    <p:notesMasterId r:id="rId4"/>
+    <p:notesMasterId r:id="rId19"/>
   </p:notesMasterIdLst>
   <p:sldIdLst>
     <p:sldId id="256" r:id="rId2"/>
     <p:sldId id="257" r:id="rId3"/>
+    <p:sldId id="258" r:id="rId4"/>
+    <p:sldId id="261" r:id="rId5"/>
+    <p:sldId id="260" r:id="rId6"/>
+    <p:sldId id="262" r:id="rId7"/>
+    <p:sldId id="263" r:id="rId8"/>
+    <p:sldId id="259" r:id="rId9"/>
+    <p:sldId id="266" r:id="rId10"/>
+    <p:sldId id="265" r:id="rId11"/>
+    <p:sldId id="264" r:id="rId12"/>
+    <p:sldId id="269" r:id="rId13"/>
+    <p:sldId id="268" r:id="rId14"/>
+    <p:sldId id="267" r:id="rId15"/>
+    <p:sldId id="272" r:id="rId16"/>
+    <p:sldId id="270" r:id="rId17"/>
+    <p:sldId id="271" r:id="rId18"/>
   </p:sldIdLst>
   <p:sldSz cx="12192000" cy="6858000"/>
   <p:notesSz cx="6858000" cy="9144000"/>
@@ -520,7 +535,13 @@
             </a:r>
             <a:r>
               <a:rPr lang="en-IE" dirty="0"/>
-              <a:t>  https://radacad.com/files/AdventureWorksDW2012.xlsx</a:t>
+              <a:t>  </a:t>
+            </a:r>
+          </a:p>
+          <a:p>
+            <a:r>
+              <a:rPr lang="en-IE" dirty="0"/>
+              <a:t>https://github.com/peterperov/PowerBIServer/raw/master/RowLevelSecurity/AdventureWorksDW2012.xlsx</a:t>
             </a:r>
           </a:p>
           <a:p>
@@ -555,6 +576,194 @@
     <p:extLst>
       <p:ext uri="{BB962C8B-B14F-4D97-AF65-F5344CB8AC3E}">
         <p14:creationId xmlns:p14="http://schemas.microsoft.com/office/powerpoint/2010/main" val="4069604549"/>
+      </p:ext>
+    </p:extLst>
+  </p:cSld>
+  <p:clrMapOvr>
+    <a:masterClrMapping/>
+  </p:clrMapOvr>
+</p:notes>
+</file>
+
+<file path=ppt/notesSlides/notesSlide2.xml><?xml version="1.0" encoding="utf-8"?>
+<p:notes xmlns:a="http://schemas.openxmlformats.org/drawingml/2006/main" xmlns:r="http://schemas.openxmlformats.org/officeDocument/2006/relationships" xmlns:p="http://schemas.openxmlformats.org/presentationml/2006/main">
+  <p:cSld>
+    <p:spTree>
+      <p:nvGrpSpPr>
+        <p:cNvPr id="1" name=""/>
+        <p:cNvGrpSpPr/>
+        <p:nvPr/>
+      </p:nvGrpSpPr>
+      <p:grpSpPr>
+        <a:xfrm>
+          <a:off x="0" y="0"/>
+          <a:ext cx="0" cy="0"/>
+          <a:chOff x="0" y="0"/>
+          <a:chExt cx="0" cy="0"/>
+        </a:xfrm>
+      </p:grpSpPr>
+      <p:sp>
+        <p:nvSpPr>
+          <p:cNvPr id="2" name="Slide Image Placeholder 1"/>
+          <p:cNvSpPr>
+            <a:spLocks noGrp="1" noRot="1" noChangeAspect="1"/>
+          </p:cNvSpPr>
+          <p:nvPr>
+            <p:ph type="sldImg"/>
+          </p:nvPr>
+        </p:nvSpPr>
+        <p:spPr/>
+      </p:sp>
+      <p:sp>
+        <p:nvSpPr>
+          <p:cNvPr id="3" name="Notes Placeholder 2"/>
+          <p:cNvSpPr>
+            <a:spLocks noGrp="1"/>
+          </p:cNvSpPr>
+          <p:nvPr>
+            <p:ph type="body" idx="1"/>
+          </p:nvPr>
+        </p:nvSpPr>
+        <p:spPr/>
+        <p:txBody>
+          <a:bodyPr/>
+          <a:lstStyle/>
+          <a:p>
+            <a:r>
+              <a:rPr lang="en-IE" dirty="0" err="1"/>
+              <a:t>Signin</a:t>
+            </a:r>
+            <a:r>
+              <a:rPr lang="en-IE" dirty="0"/>
+              <a:t> to your Power BI Server account</a:t>
+            </a:r>
+          </a:p>
+        </p:txBody>
+      </p:sp>
+      <p:sp>
+        <p:nvSpPr>
+          <p:cNvPr id="4" name="Slide Number Placeholder 3"/>
+          <p:cNvSpPr>
+            <a:spLocks noGrp="1"/>
+          </p:cNvSpPr>
+          <p:nvPr>
+            <p:ph type="sldNum" sz="quarter" idx="5"/>
+          </p:nvPr>
+        </p:nvSpPr>
+        <p:spPr/>
+        <p:txBody>
+          <a:bodyPr/>
+          <a:lstStyle/>
+          <a:p>
+            <a:fld id="{3082A021-235C-4316-82E5-C28F4EC6737C}" type="slidenum">
+              <a:rPr lang="en-IE" smtClean="0"/>
+              <a:t>13</a:t>
+            </a:fld>
+            <a:endParaRPr lang="en-IE"/>
+          </a:p>
+        </p:txBody>
+      </p:sp>
+    </p:spTree>
+    <p:extLst>
+      <p:ext uri="{BB962C8B-B14F-4D97-AF65-F5344CB8AC3E}">
+        <p14:creationId xmlns:p14="http://schemas.microsoft.com/office/powerpoint/2010/main" val="198208237"/>
+      </p:ext>
+    </p:extLst>
+  </p:cSld>
+  <p:clrMapOvr>
+    <a:masterClrMapping/>
+  </p:clrMapOvr>
+</p:notes>
+</file>
+
+<file path=ppt/notesSlides/notesSlide3.xml><?xml version="1.0" encoding="utf-8"?>
+<p:notes xmlns:a="http://schemas.openxmlformats.org/drawingml/2006/main" xmlns:r="http://schemas.openxmlformats.org/officeDocument/2006/relationships" xmlns:p="http://schemas.openxmlformats.org/presentationml/2006/main">
+  <p:cSld>
+    <p:spTree>
+      <p:nvGrpSpPr>
+        <p:cNvPr id="1" name=""/>
+        <p:cNvGrpSpPr/>
+        <p:nvPr/>
+      </p:nvGrpSpPr>
+      <p:grpSpPr>
+        <a:xfrm>
+          <a:off x="0" y="0"/>
+          <a:ext cx="0" cy="0"/>
+          <a:chOff x="0" y="0"/>
+          <a:chExt cx="0" cy="0"/>
+        </a:xfrm>
+      </p:grpSpPr>
+      <p:sp>
+        <p:nvSpPr>
+          <p:cNvPr id="2" name="Slide Image Placeholder 1"/>
+          <p:cNvSpPr>
+            <a:spLocks noGrp="1" noRot="1" noChangeAspect="1"/>
+          </p:cNvSpPr>
+          <p:nvPr>
+            <p:ph type="sldImg"/>
+          </p:nvPr>
+        </p:nvSpPr>
+        <p:spPr/>
+      </p:sp>
+      <p:sp>
+        <p:nvSpPr>
+          <p:cNvPr id="3" name="Notes Placeholder 2"/>
+          <p:cNvSpPr>
+            <a:spLocks noGrp="1"/>
+          </p:cNvSpPr>
+          <p:nvPr>
+            <p:ph type="body" idx="1"/>
+          </p:nvPr>
+        </p:nvSpPr>
+        <p:spPr/>
+        <p:txBody>
+          <a:bodyPr/>
+          <a:lstStyle/>
+          <a:p>
+            <a:r>
+              <a:rPr lang="en-IE" dirty="0"/>
+              <a:t>alice@eurofins2.onmicrosoft.com  is a test user assigned </a:t>
+            </a:r>
+            <a:r>
+              <a:rPr lang="en-IE"/>
+              <a:t>to Europe</a:t>
+            </a:r>
+          </a:p>
+          <a:p>
+            <a:endParaRPr lang="en-IE"/>
+          </a:p>
+          <a:p>
+            <a:endParaRPr lang="en-IE" dirty="0"/>
+          </a:p>
+        </p:txBody>
+      </p:sp>
+      <p:sp>
+        <p:nvSpPr>
+          <p:cNvPr id="4" name="Slide Number Placeholder 3"/>
+          <p:cNvSpPr>
+            <a:spLocks noGrp="1"/>
+          </p:cNvSpPr>
+          <p:nvPr>
+            <p:ph type="sldNum" sz="quarter" idx="5"/>
+          </p:nvPr>
+        </p:nvSpPr>
+        <p:spPr/>
+        <p:txBody>
+          <a:bodyPr/>
+          <a:lstStyle/>
+          <a:p>
+            <a:fld id="{3082A021-235C-4316-82E5-C28F4EC6737C}" type="slidenum">
+              <a:rPr lang="en-IE" smtClean="0"/>
+              <a:t>15</a:t>
+            </a:fld>
+            <a:endParaRPr lang="en-IE"/>
+          </a:p>
+        </p:txBody>
+      </p:sp>
+    </p:spTree>
+    <p:extLst>
+      <p:ext uri="{BB962C8B-B14F-4D97-AF65-F5344CB8AC3E}">
+        <p14:creationId xmlns:p14="http://schemas.microsoft.com/office/powerpoint/2010/main" val="307620125"/>
       </p:ext>
     </p:extLst>
   </p:cSld>
@@ -3871,6 +4080,962 @@
 </p:sld>
 </file>
 
+<file path=ppt/slides/slide10.xml><?xml version="1.0" encoding="utf-8"?>
+<p:sld xmlns:a="http://schemas.openxmlformats.org/drawingml/2006/main" xmlns:r="http://schemas.openxmlformats.org/officeDocument/2006/relationships" xmlns:p="http://schemas.openxmlformats.org/presentationml/2006/main">
+  <p:cSld>
+    <p:spTree>
+      <p:nvGrpSpPr>
+        <p:cNvPr id="1" name=""/>
+        <p:cNvGrpSpPr/>
+        <p:nvPr/>
+      </p:nvGrpSpPr>
+      <p:grpSpPr>
+        <a:xfrm>
+          <a:off x="0" y="0"/>
+          <a:ext cx="0" cy="0"/>
+          <a:chOff x="0" y="0"/>
+          <a:chExt cx="0" cy="0"/>
+        </a:xfrm>
+      </p:grpSpPr>
+      <p:sp>
+        <p:nvSpPr>
+          <p:cNvPr id="2" name="Title 1">
+            <a:extLst>
+              <a:ext uri="{FF2B5EF4-FFF2-40B4-BE49-F238E27FC236}">
+                <a16:creationId xmlns:a16="http://schemas.microsoft.com/office/drawing/2014/main" id="{F278722C-879B-4317-9631-3BBFB05A7716}"/>
+              </a:ext>
+            </a:extLst>
+          </p:cNvPr>
+          <p:cNvSpPr>
+            <a:spLocks noGrp="1"/>
+          </p:cNvSpPr>
+          <p:nvPr>
+            <p:ph type="title"/>
+          </p:nvPr>
+        </p:nvSpPr>
+        <p:spPr/>
+        <p:txBody>
+          <a:bodyPr/>
+          <a:lstStyle/>
+          <a:p>
+            <a:r>
+              <a:rPr lang="en-IE" dirty="0"/>
+              <a:t>USA Sales Manager Role</a:t>
+            </a:r>
+          </a:p>
+        </p:txBody>
+      </p:sp>
+      <p:pic>
+        <p:nvPicPr>
+          <p:cNvPr id="3074" name="Picture 2">
+            <a:extLst>
+              <a:ext uri="{FF2B5EF4-FFF2-40B4-BE49-F238E27FC236}">
+                <a16:creationId xmlns:a16="http://schemas.microsoft.com/office/drawing/2014/main" id="{953EF302-4E53-4FA2-BEA3-4198DAB7882C}"/>
+              </a:ext>
+            </a:extLst>
+          </p:cNvPr>
+          <p:cNvPicPr>
+            <a:picLocks noGrp="1" noChangeAspect="1" noChangeArrowheads="1"/>
+          </p:cNvPicPr>
+          <p:nvPr>
+            <p:ph idx="1"/>
+          </p:nvPr>
+        </p:nvPicPr>
+        <p:blipFill>
+          <a:blip r:embed="rId2">
+            <a:extLst>
+              <a:ext uri="{28A0092B-C50C-407E-A947-70E740481C1C}">
+                <a14:useLocalDpi xmlns:a14="http://schemas.microsoft.com/office/drawing/2010/main" val="0"/>
+              </a:ext>
+            </a:extLst>
+          </a:blip>
+          <a:srcRect/>
+          <a:stretch>
+            <a:fillRect/>
+          </a:stretch>
+        </p:blipFill>
+        <p:spPr bwMode="auto">
+          <a:xfrm>
+            <a:off x="1622204" y="3181813"/>
+            <a:ext cx="8947592" cy="1638962"/>
+          </a:xfrm>
+          <a:prstGeom prst="rect">
+            <a:avLst/>
+          </a:prstGeom>
+          <a:noFill/>
+          <a:extLst>
+            <a:ext uri="{909E8E84-426E-40DD-AFC4-6F175D3DCCD1}">
+              <a14:hiddenFill xmlns:a14="http://schemas.microsoft.com/office/drawing/2010/main">
+                <a:solidFill>
+                  <a:srgbClr val="FFFFFF"/>
+                </a:solidFill>
+              </a14:hiddenFill>
+            </a:ext>
+          </a:extLst>
+        </p:spPr>
+      </p:pic>
+    </p:spTree>
+    <p:extLst>
+      <p:ext uri="{BB962C8B-B14F-4D97-AF65-F5344CB8AC3E}">
+        <p14:creationId xmlns:p14="http://schemas.microsoft.com/office/powerpoint/2010/main" val="3387125381"/>
+      </p:ext>
+    </p:extLst>
+  </p:cSld>
+  <p:clrMapOvr>
+    <a:masterClrMapping/>
+  </p:clrMapOvr>
+</p:sld>
+</file>
+
+<file path=ppt/slides/slide11.xml><?xml version="1.0" encoding="utf-8"?>
+<p:sld xmlns:a="http://schemas.openxmlformats.org/drawingml/2006/main" xmlns:r="http://schemas.openxmlformats.org/officeDocument/2006/relationships" xmlns:p="http://schemas.openxmlformats.org/presentationml/2006/main">
+  <p:cSld>
+    <p:spTree>
+      <p:nvGrpSpPr>
+        <p:cNvPr id="1" name=""/>
+        <p:cNvGrpSpPr/>
+        <p:nvPr/>
+      </p:nvGrpSpPr>
+      <p:grpSpPr>
+        <a:xfrm>
+          <a:off x="0" y="0"/>
+          <a:ext cx="0" cy="0"/>
+          <a:chOff x="0" y="0"/>
+          <a:chExt cx="0" cy="0"/>
+        </a:xfrm>
+      </p:grpSpPr>
+      <p:sp>
+        <p:nvSpPr>
+          <p:cNvPr id="2" name="Title 1">
+            <a:extLst>
+              <a:ext uri="{FF2B5EF4-FFF2-40B4-BE49-F238E27FC236}">
+                <a16:creationId xmlns:a16="http://schemas.microsoft.com/office/drawing/2014/main" id="{607179F9-8505-4E58-A953-B6E62F8E7038}"/>
+              </a:ext>
+            </a:extLst>
+          </p:cNvPr>
+          <p:cNvSpPr>
+            <a:spLocks noGrp="1"/>
+          </p:cNvSpPr>
+          <p:nvPr>
+            <p:ph type="title"/>
+          </p:nvPr>
+        </p:nvSpPr>
+        <p:spPr/>
+        <p:txBody>
+          <a:bodyPr/>
+          <a:lstStyle/>
+          <a:p>
+            <a:r>
+              <a:rPr lang="en-IE" dirty="0"/>
+              <a:t>Europe Sales Manager Role</a:t>
+            </a:r>
+          </a:p>
+        </p:txBody>
+      </p:sp>
+      <p:pic>
+        <p:nvPicPr>
+          <p:cNvPr id="4098" name="Picture 2">
+            <a:extLst>
+              <a:ext uri="{FF2B5EF4-FFF2-40B4-BE49-F238E27FC236}">
+                <a16:creationId xmlns:a16="http://schemas.microsoft.com/office/drawing/2014/main" id="{FB617F4D-C671-4CFB-B87A-888990DE7E9B}"/>
+              </a:ext>
+            </a:extLst>
+          </p:cNvPr>
+          <p:cNvPicPr>
+            <a:picLocks noGrp="1" noChangeAspect="1" noChangeArrowheads="1"/>
+          </p:cNvPicPr>
+          <p:nvPr>
+            <p:ph idx="1"/>
+          </p:nvPr>
+        </p:nvPicPr>
+        <p:blipFill>
+          <a:blip r:embed="rId2">
+            <a:extLst>
+              <a:ext uri="{28A0092B-C50C-407E-A947-70E740481C1C}">
+                <a14:useLocalDpi xmlns:a14="http://schemas.microsoft.com/office/drawing/2010/main" val="0"/>
+              </a:ext>
+            </a:extLst>
+          </a:blip>
+          <a:srcRect/>
+          <a:stretch>
+            <a:fillRect/>
+          </a:stretch>
+        </p:blipFill>
+        <p:spPr bwMode="auto">
+          <a:xfrm>
+            <a:off x="1612675" y="2938827"/>
+            <a:ext cx="8966649" cy="2124934"/>
+          </a:xfrm>
+          <a:prstGeom prst="rect">
+            <a:avLst/>
+          </a:prstGeom>
+          <a:noFill/>
+          <a:extLst>
+            <a:ext uri="{909E8E84-426E-40DD-AFC4-6F175D3DCCD1}">
+              <a14:hiddenFill xmlns:a14="http://schemas.microsoft.com/office/drawing/2010/main">
+                <a:solidFill>
+                  <a:srgbClr val="FFFFFF"/>
+                </a:solidFill>
+              </a14:hiddenFill>
+            </a:ext>
+          </a:extLst>
+        </p:spPr>
+      </p:pic>
+    </p:spTree>
+    <p:extLst>
+      <p:ext uri="{BB962C8B-B14F-4D97-AF65-F5344CB8AC3E}">
+        <p14:creationId xmlns:p14="http://schemas.microsoft.com/office/powerpoint/2010/main" val="3515564020"/>
+      </p:ext>
+    </p:extLst>
+  </p:cSld>
+  <p:clrMapOvr>
+    <a:masterClrMapping/>
+  </p:clrMapOvr>
+</p:sld>
+</file>
+
+<file path=ppt/slides/slide12.xml><?xml version="1.0" encoding="utf-8"?>
+<p:sld xmlns:a="http://schemas.openxmlformats.org/drawingml/2006/main" xmlns:r="http://schemas.openxmlformats.org/officeDocument/2006/relationships" xmlns:p="http://schemas.openxmlformats.org/presentationml/2006/main">
+  <p:cSld>
+    <p:spTree>
+      <p:nvGrpSpPr>
+        <p:cNvPr id="1" name=""/>
+        <p:cNvGrpSpPr/>
+        <p:nvPr/>
+      </p:nvGrpSpPr>
+      <p:grpSpPr>
+        <a:xfrm>
+          <a:off x="0" y="0"/>
+          <a:ext cx="0" cy="0"/>
+          <a:chOff x="0" y="0"/>
+          <a:chExt cx="0" cy="0"/>
+        </a:xfrm>
+      </p:grpSpPr>
+      <p:sp>
+        <p:nvSpPr>
+          <p:cNvPr id="2" name="Title 1">
+            <a:extLst>
+              <a:ext uri="{FF2B5EF4-FFF2-40B4-BE49-F238E27FC236}">
+                <a16:creationId xmlns:a16="http://schemas.microsoft.com/office/drawing/2014/main" id="{9E93F955-E1DB-43C1-9015-DAAD71B27C0A}"/>
+              </a:ext>
+            </a:extLst>
+          </p:cNvPr>
+          <p:cNvSpPr>
+            <a:spLocks noGrp="1"/>
+          </p:cNvSpPr>
+          <p:nvPr>
+            <p:ph type="title"/>
+          </p:nvPr>
+        </p:nvSpPr>
+        <p:spPr/>
+        <p:txBody>
+          <a:bodyPr>
+            <a:normAutofit/>
+          </a:bodyPr>
+          <a:lstStyle/>
+          <a:p>
+            <a:r>
+              <a:rPr lang="en-IE" sz="4000" dirty="0"/>
+              <a:t>You can test the roles by clicking on View As Role</a:t>
+            </a:r>
+          </a:p>
+        </p:txBody>
+      </p:sp>
+      <p:pic>
+        <p:nvPicPr>
+          <p:cNvPr id="5122" name="Picture 2" descr="2016-07-01_21h49_10">
+            <a:extLst>
+              <a:ext uri="{FF2B5EF4-FFF2-40B4-BE49-F238E27FC236}">
+                <a16:creationId xmlns:a16="http://schemas.microsoft.com/office/drawing/2014/main" id="{CD49C7FF-04D7-411D-BA84-12E91730BB1E}"/>
+              </a:ext>
+            </a:extLst>
+          </p:cNvPr>
+          <p:cNvPicPr>
+            <a:picLocks noGrp="1" noChangeAspect="1" noChangeArrowheads="1"/>
+          </p:cNvPicPr>
+          <p:nvPr>
+            <p:ph idx="1"/>
+          </p:nvPr>
+        </p:nvPicPr>
+        <p:blipFill>
+          <a:blip r:embed="rId2">
+            <a:extLst>
+              <a:ext uri="{28A0092B-C50C-407E-A947-70E740481C1C}">
+                <a14:useLocalDpi xmlns:a14="http://schemas.microsoft.com/office/drawing/2010/main" val="0"/>
+              </a:ext>
+            </a:extLst>
+          </a:blip>
+          <a:srcRect/>
+          <a:stretch>
+            <a:fillRect/>
+          </a:stretch>
+        </p:blipFill>
+        <p:spPr bwMode="auto">
+          <a:xfrm>
+            <a:off x="470647" y="1646752"/>
+            <a:ext cx="3458340" cy="4351338"/>
+          </a:xfrm>
+          <a:prstGeom prst="rect">
+            <a:avLst/>
+          </a:prstGeom>
+          <a:noFill/>
+          <a:extLst>
+            <a:ext uri="{909E8E84-426E-40DD-AFC4-6F175D3DCCD1}">
+              <a14:hiddenFill xmlns:a14="http://schemas.microsoft.com/office/drawing/2010/main">
+                <a:solidFill>
+                  <a:srgbClr val="FFFFFF"/>
+                </a:solidFill>
+              </a14:hiddenFill>
+            </a:ext>
+          </a:extLst>
+        </p:spPr>
+      </p:pic>
+      <p:pic>
+        <p:nvPicPr>
+          <p:cNvPr id="5124" name="Picture 4" descr="2016-07-01_21h50_59">
+            <a:extLst>
+              <a:ext uri="{FF2B5EF4-FFF2-40B4-BE49-F238E27FC236}">
+                <a16:creationId xmlns:a16="http://schemas.microsoft.com/office/drawing/2014/main" id="{4AF44C9F-848A-40F2-AED7-C61FF420781B}"/>
+              </a:ext>
+            </a:extLst>
+          </p:cNvPr>
+          <p:cNvPicPr>
+            <a:picLocks noChangeAspect="1" noChangeArrowheads="1"/>
+          </p:cNvPicPr>
+          <p:nvPr/>
+        </p:nvPicPr>
+        <p:blipFill>
+          <a:blip r:embed="rId3">
+            <a:extLst>
+              <a:ext uri="{28A0092B-C50C-407E-A947-70E740481C1C}">
+                <a14:useLocalDpi xmlns:a14="http://schemas.microsoft.com/office/drawing/2010/main" val="0"/>
+              </a:ext>
+            </a:extLst>
+          </a:blip>
+          <a:srcRect/>
+          <a:stretch>
+            <a:fillRect/>
+          </a:stretch>
+        </p:blipFill>
+        <p:spPr bwMode="auto">
+          <a:xfrm>
+            <a:off x="4078942" y="1646751"/>
+            <a:ext cx="7642412" cy="4445725"/>
+          </a:xfrm>
+          <a:prstGeom prst="rect">
+            <a:avLst/>
+          </a:prstGeom>
+          <a:noFill/>
+          <a:extLst>
+            <a:ext uri="{909E8E84-426E-40DD-AFC4-6F175D3DCCD1}">
+              <a14:hiddenFill xmlns:a14="http://schemas.microsoft.com/office/drawing/2010/main">
+                <a:solidFill>
+                  <a:srgbClr val="FFFFFF"/>
+                </a:solidFill>
+              </a14:hiddenFill>
+            </a:ext>
+          </a:extLst>
+        </p:spPr>
+      </p:pic>
+    </p:spTree>
+    <p:extLst>
+      <p:ext uri="{BB962C8B-B14F-4D97-AF65-F5344CB8AC3E}">
+        <p14:creationId xmlns:p14="http://schemas.microsoft.com/office/powerpoint/2010/main" val="4289180223"/>
+      </p:ext>
+    </p:extLst>
+  </p:cSld>
+  <p:clrMapOvr>
+    <a:masterClrMapping/>
+  </p:clrMapOvr>
+</p:sld>
+</file>
+
+<file path=ppt/slides/slide13.xml><?xml version="1.0" encoding="utf-8"?>
+<p:sld xmlns:a="http://schemas.openxmlformats.org/drawingml/2006/main" xmlns:r="http://schemas.openxmlformats.org/officeDocument/2006/relationships" xmlns:p="http://schemas.openxmlformats.org/presentationml/2006/main">
+  <p:cSld>
+    <p:spTree>
+      <p:nvGrpSpPr>
+        <p:cNvPr id="1" name=""/>
+        <p:cNvGrpSpPr/>
+        <p:nvPr/>
+      </p:nvGrpSpPr>
+      <p:grpSpPr>
+        <a:xfrm>
+          <a:off x="0" y="0"/>
+          <a:ext cx="0" cy="0"/>
+          <a:chOff x="0" y="0"/>
+          <a:chExt cx="0" cy="0"/>
+        </a:xfrm>
+      </p:grpSpPr>
+      <p:sp>
+        <p:nvSpPr>
+          <p:cNvPr id="2" name="Title 1">
+            <a:extLst>
+              <a:ext uri="{FF2B5EF4-FFF2-40B4-BE49-F238E27FC236}">
+                <a16:creationId xmlns:a16="http://schemas.microsoft.com/office/drawing/2014/main" id="{6E6E3B3E-3055-47B5-BD44-36BEB4F5DE3C}"/>
+              </a:ext>
+            </a:extLst>
+          </p:cNvPr>
+          <p:cNvSpPr>
+            <a:spLocks noGrp="1"/>
+          </p:cNvSpPr>
+          <p:nvPr>
+            <p:ph type="title"/>
+          </p:nvPr>
+        </p:nvSpPr>
+        <p:spPr/>
+        <p:txBody>
+          <a:bodyPr/>
+          <a:lstStyle/>
+          <a:p>
+            <a:r>
+              <a:rPr lang="en-IE" dirty="0"/>
+              <a:t>Sign in and upload the report to Workspace</a:t>
+            </a:r>
+          </a:p>
+        </p:txBody>
+      </p:sp>
+      <p:pic>
+        <p:nvPicPr>
+          <p:cNvPr id="4" name="Content Placeholder 3">
+            <a:extLst>
+              <a:ext uri="{FF2B5EF4-FFF2-40B4-BE49-F238E27FC236}">
+                <a16:creationId xmlns:a16="http://schemas.microsoft.com/office/drawing/2014/main" id="{1654B5B5-C135-47F4-8BA8-FC376CD72427}"/>
+              </a:ext>
+            </a:extLst>
+          </p:cNvPr>
+          <p:cNvPicPr>
+            <a:picLocks noGrp="1" noChangeAspect="1"/>
+          </p:cNvPicPr>
+          <p:nvPr>
+            <p:ph idx="1"/>
+          </p:nvPr>
+        </p:nvPicPr>
+        <p:blipFill>
+          <a:blip r:embed="rId3"/>
+          <a:stretch>
+            <a:fillRect/>
+          </a:stretch>
+        </p:blipFill>
+        <p:spPr>
+          <a:xfrm>
+            <a:off x="838200" y="1690688"/>
+            <a:ext cx="2558230" cy="4351338"/>
+          </a:xfrm>
+          <a:prstGeom prst="rect">
+            <a:avLst/>
+          </a:prstGeom>
+        </p:spPr>
+      </p:pic>
+      <p:pic>
+        <p:nvPicPr>
+          <p:cNvPr id="5" name="Picture 4">
+            <a:extLst>
+              <a:ext uri="{FF2B5EF4-FFF2-40B4-BE49-F238E27FC236}">
+                <a16:creationId xmlns:a16="http://schemas.microsoft.com/office/drawing/2014/main" id="{674FF8B6-01EF-4BBD-B56D-B0AFD16CFE3A}"/>
+              </a:ext>
+            </a:extLst>
+          </p:cNvPr>
+          <p:cNvPicPr>
+            <a:picLocks noChangeAspect="1"/>
+          </p:cNvPicPr>
+          <p:nvPr/>
+        </p:nvPicPr>
+        <p:blipFill>
+          <a:blip r:embed="rId4"/>
+          <a:stretch>
+            <a:fillRect/>
+          </a:stretch>
+        </p:blipFill>
+        <p:spPr>
+          <a:xfrm>
+            <a:off x="5504337" y="1640080"/>
+            <a:ext cx="6176674" cy="4401946"/>
+          </a:xfrm>
+          <a:prstGeom prst="rect">
+            <a:avLst/>
+          </a:prstGeom>
+        </p:spPr>
+      </p:pic>
+    </p:spTree>
+    <p:extLst>
+      <p:ext uri="{BB962C8B-B14F-4D97-AF65-F5344CB8AC3E}">
+        <p14:creationId xmlns:p14="http://schemas.microsoft.com/office/powerpoint/2010/main" val="1580218957"/>
+      </p:ext>
+    </p:extLst>
+  </p:cSld>
+  <p:clrMapOvr>
+    <a:masterClrMapping/>
+  </p:clrMapOvr>
+</p:sld>
+</file>
+
+<file path=ppt/slides/slide14.xml><?xml version="1.0" encoding="utf-8"?>
+<p:sld xmlns:a="http://schemas.openxmlformats.org/drawingml/2006/main" xmlns:r="http://schemas.openxmlformats.org/officeDocument/2006/relationships" xmlns:p="http://schemas.openxmlformats.org/presentationml/2006/main">
+  <p:cSld>
+    <p:spTree>
+      <p:nvGrpSpPr>
+        <p:cNvPr id="1" name=""/>
+        <p:cNvGrpSpPr/>
+        <p:nvPr/>
+      </p:nvGrpSpPr>
+      <p:grpSpPr>
+        <a:xfrm>
+          <a:off x="0" y="0"/>
+          <a:ext cx="0" cy="0"/>
+          <a:chOff x="0" y="0"/>
+          <a:chExt cx="0" cy="0"/>
+        </a:xfrm>
+      </p:grpSpPr>
+      <p:sp>
+        <p:nvSpPr>
+          <p:cNvPr id="2" name="Title 1">
+            <a:extLst>
+              <a:ext uri="{FF2B5EF4-FFF2-40B4-BE49-F238E27FC236}">
+                <a16:creationId xmlns:a16="http://schemas.microsoft.com/office/drawing/2014/main" id="{D62090AF-F5AF-4DEC-A0A0-ECBE80382B90}"/>
+              </a:ext>
+            </a:extLst>
+          </p:cNvPr>
+          <p:cNvSpPr>
+            <a:spLocks noGrp="1"/>
+          </p:cNvSpPr>
+          <p:nvPr>
+            <p:ph type="title"/>
+          </p:nvPr>
+        </p:nvSpPr>
+        <p:spPr/>
+        <p:txBody>
+          <a:bodyPr/>
+          <a:lstStyle/>
+          <a:p>
+            <a:r>
+              <a:rPr lang="en-IE" dirty="0"/>
+              <a:t>Report is now accessible in Power BI Service</a:t>
+            </a:r>
+          </a:p>
+        </p:txBody>
+      </p:sp>
+      <p:pic>
+        <p:nvPicPr>
+          <p:cNvPr id="7" name="Picture 6">
+            <a:extLst>
+              <a:ext uri="{FF2B5EF4-FFF2-40B4-BE49-F238E27FC236}">
+                <a16:creationId xmlns:a16="http://schemas.microsoft.com/office/drawing/2014/main" id="{31260A2F-3E18-449E-84C0-09D3935B98FF}"/>
+              </a:ext>
+            </a:extLst>
+          </p:cNvPr>
+          <p:cNvPicPr>
+            <a:picLocks noChangeAspect="1"/>
+          </p:cNvPicPr>
+          <p:nvPr/>
+        </p:nvPicPr>
+        <p:blipFill>
+          <a:blip r:embed="rId2"/>
+          <a:stretch>
+            <a:fillRect/>
+          </a:stretch>
+        </p:blipFill>
+        <p:spPr>
+          <a:xfrm>
+            <a:off x="1511892" y="1391438"/>
+            <a:ext cx="8716838" cy="4785525"/>
+          </a:xfrm>
+          <a:prstGeom prst="rect">
+            <a:avLst/>
+          </a:prstGeom>
+        </p:spPr>
+      </p:pic>
+    </p:spTree>
+    <p:extLst>
+      <p:ext uri="{BB962C8B-B14F-4D97-AF65-F5344CB8AC3E}">
+        <p14:creationId xmlns:p14="http://schemas.microsoft.com/office/powerpoint/2010/main" val="288786934"/>
+      </p:ext>
+    </p:extLst>
+  </p:cSld>
+  <p:clrMapOvr>
+    <a:masterClrMapping/>
+  </p:clrMapOvr>
+</p:sld>
+</file>
+
+<file path=ppt/slides/slide15.xml><?xml version="1.0" encoding="utf-8"?>
+<p:sld xmlns:a="http://schemas.openxmlformats.org/drawingml/2006/main" xmlns:r="http://schemas.openxmlformats.org/officeDocument/2006/relationships" xmlns:p="http://schemas.openxmlformats.org/presentationml/2006/main">
+  <p:cSld>
+    <p:spTree>
+      <p:nvGrpSpPr>
+        <p:cNvPr id="1" name=""/>
+        <p:cNvGrpSpPr/>
+        <p:nvPr/>
+      </p:nvGrpSpPr>
+      <p:grpSpPr>
+        <a:xfrm>
+          <a:off x="0" y="0"/>
+          <a:ext cx="0" cy="0"/>
+          <a:chOff x="0" y="0"/>
+          <a:chExt cx="0" cy="0"/>
+        </a:xfrm>
+      </p:grpSpPr>
+      <p:sp>
+        <p:nvSpPr>
+          <p:cNvPr id="2" name="Title 1">
+            <a:extLst>
+              <a:ext uri="{FF2B5EF4-FFF2-40B4-BE49-F238E27FC236}">
+                <a16:creationId xmlns:a16="http://schemas.microsoft.com/office/drawing/2014/main" id="{D059A4F5-4BE3-4FCF-A6E0-207C710E3F89}"/>
+              </a:ext>
+            </a:extLst>
+          </p:cNvPr>
+          <p:cNvSpPr>
+            <a:spLocks noGrp="1"/>
+          </p:cNvSpPr>
+          <p:nvPr>
+            <p:ph type="title"/>
+          </p:nvPr>
+        </p:nvSpPr>
+        <p:spPr/>
+        <p:txBody>
+          <a:bodyPr/>
+          <a:lstStyle/>
+          <a:p>
+            <a:r>
+              <a:rPr lang="en-IE" dirty="0"/>
+              <a:t>Access role security definition in PBI Service</a:t>
+            </a:r>
+          </a:p>
+        </p:txBody>
+      </p:sp>
+      <p:pic>
+        <p:nvPicPr>
+          <p:cNvPr id="4" name="Content Placeholder 3">
+            <a:extLst>
+              <a:ext uri="{FF2B5EF4-FFF2-40B4-BE49-F238E27FC236}">
+                <a16:creationId xmlns:a16="http://schemas.microsoft.com/office/drawing/2014/main" id="{8AD4D188-FA61-4B5A-ADFB-9B5400ACDBB3}"/>
+              </a:ext>
+            </a:extLst>
+          </p:cNvPr>
+          <p:cNvPicPr>
+            <a:picLocks noGrp="1" noChangeAspect="1"/>
+          </p:cNvPicPr>
+          <p:nvPr>
+            <p:ph idx="1"/>
+          </p:nvPr>
+        </p:nvPicPr>
+        <p:blipFill>
+          <a:blip r:embed="rId3"/>
+          <a:stretch>
+            <a:fillRect/>
+          </a:stretch>
+        </p:blipFill>
+        <p:spPr>
+          <a:xfrm>
+            <a:off x="950956" y="1780802"/>
+            <a:ext cx="3010746" cy="4351338"/>
+          </a:xfrm>
+          <a:prstGeom prst="rect">
+            <a:avLst/>
+          </a:prstGeom>
+        </p:spPr>
+      </p:pic>
+      <p:pic>
+        <p:nvPicPr>
+          <p:cNvPr id="5" name="Picture 4">
+            <a:extLst>
+              <a:ext uri="{FF2B5EF4-FFF2-40B4-BE49-F238E27FC236}">
+                <a16:creationId xmlns:a16="http://schemas.microsoft.com/office/drawing/2014/main" id="{61914689-B5D5-484F-BC55-718A68D8AAB0}"/>
+              </a:ext>
+            </a:extLst>
+          </p:cNvPr>
+          <p:cNvPicPr>
+            <a:picLocks noChangeAspect="1"/>
+          </p:cNvPicPr>
+          <p:nvPr/>
+        </p:nvPicPr>
+        <p:blipFill>
+          <a:blip r:embed="rId4"/>
+          <a:stretch>
+            <a:fillRect/>
+          </a:stretch>
+        </p:blipFill>
+        <p:spPr>
+          <a:xfrm>
+            <a:off x="6096000" y="1780802"/>
+            <a:ext cx="4792778" cy="4351338"/>
+          </a:xfrm>
+          <a:prstGeom prst="rect">
+            <a:avLst/>
+          </a:prstGeom>
+        </p:spPr>
+      </p:pic>
+    </p:spTree>
+    <p:extLst>
+      <p:ext uri="{BB962C8B-B14F-4D97-AF65-F5344CB8AC3E}">
+        <p14:creationId xmlns:p14="http://schemas.microsoft.com/office/powerpoint/2010/main" val="425272394"/>
+      </p:ext>
+    </p:extLst>
+  </p:cSld>
+  <p:clrMapOvr>
+    <a:masterClrMapping/>
+  </p:clrMapOvr>
+</p:sld>
+</file>
+
+<file path=ppt/slides/slide16.xml><?xml version="1.0" encoding="utf-8"?>
+<p:sld xmlns:a="http://schemas.openxmlformats.org/drawingml/2006/main" xmlns:r="http://schemas.openxmlformats.org/officeDocument/2006/relationships" xmlns:p="http://schemas.openxmlformats.org/presentationml/2006/main">
+  <p:cSld>
+    <p:spTree>
+      <p:nvGrpSpPr>
+        <p:cNvPr id="1" name=""/>
+        <p:cNvGrpSpPr/>
+        <p:nvPr/>
+      </p:nvGrpSpPr>
+      <p:grpSpPr>
+        <a:xfrm>
+          <a:off x="0" y="0"/>
+          <a:ext cx="0" cy="0"/>
+          <a:chOff x="0" y="0"/>
+          <a:chExt cx="0" cy="0"/>
+        </a:xfrm>
+      </p:grpSpPr>
+      <p:sp>
+        <p:nvSpPr>
+          <p:cNvPr id="2" name="Title 1">
+            <a:extLst>
+              <a:ext uri="{FF2B5EF4-FFF2-40B4-BE49-F238E27FC236}">
+                <a16:creationId xmlns:a16="http://schemas.microsoft.com/office/drawing/2014/main" id="{611C3E2E-A1A6-416E-AF33-5885077F852D}"/>
+              </a:ext>
+            </a:extLst>
+          </p:cNvPr>
+          <p:cNvSpPr>
+            <a:spLocks noGrp="1"/>
+          </p:cNvSpPr>
+          <p:nvPr>
+            <p:ph type="title"/>
+          </p:nvPr>
+        </p:nvSpPr>
+        <p:spPr/>
+        <p:txBody>
+          <a:bodyPr/>
+          <a:lstStyle/>
+          <a:p>
+            <a:r>
+              <a:rPr lang="en-IE" dirty="0"/>
+              <a:t>Testing the role</a:t>
+            </a:r>
+          </a:p>
+        </p:txBody>
+      </p:sp>
+      <p:pic>
+        <p:nvPicPr>
+          <p:cNvPr id="5" name="Content Placeholder 4">
+            <a:extLst>
+              <a:ext uri="{FF2B5EF4-FFF2-40B4-BE49-F238E27FC236}">
+                <a16:creationId xmlns:a16="http://schemas.microsoft.com/office/drawing/2014/main" id="{5A75E498-EFE8-4B8E-9523-ADEBB707E03F}"/>
+              </a:ext>
+            </a:extLst>
+          </p:cNvPr>
+          <p:cNvPicPr>
+            <a:picLocks noGrp="1" noChangeAspect="1"/>
+          </p:cNvPicPr>
+          <p:nvPr>
+            <p:ph idx="1"/>
+          </p:nvPr>
+        </p:nvPicPr>
+        <p:blipFill>
+          <a:blip r:embed="rId2"/>
+          <a:stretch>
+            <a:fillRect/>
+          </a:stretch>
+        </p:blipFill>
+        <p:spPr>
+          <a:xfrm>
+            <a:off x="4745605" y="1416424"/>
+            <a:ext cx="6747223" cy="4625602"/>
+          </a:xfrm>
+          <a:prstGeom prst="rect">
+            <a:avLst/>
+          </a:prstGeom>
+        </p:spPr>
+      </p:pic>
+      <p:pic>
+        <p:nvPicPr>
+          <p:cNvPr id="6" name="Picture 5">
+            <a:extLst>
+              <a:ext uri="{FF2B5EF4-FFF2-40B4-BE49-F238E27FC236}">
+                <a16:creationId xmlns:a16="http://schemas.microsoft.com/office/drawing/2014/main" id="{C38A2E72-0828-447E-A2E0-8C26EE4FB14A}"/>
+              </a:ext>
+            </a:extLst>
+          </p:cNvPr>
+          <p:cNvPicPr>
+            <a:picLocks noChangeAspect="1"/>
+          </p:cNvPicPr>
+          <p:nvPr/>
+        </p:nvPicPr>
+        <p:blipFill>
+          <a:blip r:embed="rId3"/>
+          <a:stretch>
+            <a:fillRect/>
+          </a:stretch>
+        </p:blipFill>
+        <p:spPr>
+          <a:xfrm>
+            <a:off x="571872" y="2873936"/>
+            <a:ext cx="3861625" cy="1984841"/>
+          </a:xfrm>
+          <a:prstGeom prst="rect">
+            <a:avLst/>
+          </a:prstGeom>
+        </p:spPr>
+      </p:pic>
+    </p:spTree>
+    <p:extLst>
+      <p:ext uri="{BB962C8B-B14F-4D97-AF65-F5344CB8AC3E}">
+        <p14:creationId xmlns:p14="http://schemas.microsoft.com/office/powerpoint/2010/main" val="635860948"/>
+      </p:ext>
+    </p:extLst>
+  </p:cSld>
+  <p:clrMapOvr>
+    <a:masterClrMapping/>
+  </p:clrMapOvr>
+</p:sld>
+</file>
+
+<file path=ppt/slides/slide17.xml><?xml version="1.0" encoding="utf-8"?>
+<p:sld xmlns:a="http://schemas.openxmlformats.org/drawingml/2006/main" xmlns:r="http://schemas.openxmlformats.org/officeDocument/2006/relationships" xmlns:p="http://schemas.openxmlformats.org/presentationml/2006/main">
+  <p:cSld>
+    <p:spTree>
+      <p:nvGrpSpPr>
+        <p:cNvPr id="1" name=""/>
+        <p:cNvGrpSpPr/>
+        <p:nvPr/>
+      </p:nvGrpSpPr>
+      <p:grpSpPr>
+        <a:xfrm>
+          <a:off x="0" y="0"/>
+          <a:ext cx="0" cy="0"/>
+          <a:chOff x="0" y="0"/>
+          <a:chExt cx="0" cy="0"/>
+        </a:xfrm>
+      </p:grpSpPr>
+      <p:sp>
+        <p:nvSpPr>
+          <p:cNvPr id="2" name="Title 1">
+            <a:extLst>
+              <a:ext uri="{FF2B5EF4-FFF2-40B4-BE49-F238E27FC236}">
+                <a16:creationId xmlns:a16="http://schemas.microsoft.com/office/drawing/2014/main" id="{BE7159EE-14BD-47B9-9E60-4FE73B7D01C4}"/>
+              </a:ext>
+            </a:extLst>
+          </p:cNvPr>
+          <p:cNvSpPr>
+            <a:spLocks noGrp="1"/>
+          </p:cNvSpPr>
+          <p:nvPr>
+            <p:ph type="title"/>
+          </p:nvPr>
+        </p:nvSpPr>
+        <p:spPr/>
+        <p:txBody>
+          <a:bodyPr/>
+          <a:lstStyle/>
+          <a:p>
+            <a:r>
+              <a:rPr lang="en-IE" dirty="0"/>
+              <a:t>Conclusion</a:t>
+            </a:r>
+          </a:p>
+        </p:txBody>
+      </p:sp>
+      <p:sp>
+        <p:nvSpPr>
+          <p:cNvPr id="3" name="Content Placeholder 2">
+            <a:extLst>
+              <a:ext uri="{FF2B5EF4-FFF2-40B4-BE49-F238E27FC236}">
+                <a16:creationId xmlns:a16="http://schemas.microsoft.com/office/drawing/2014/main" id="{5BCB0462-40AA-469B-B960-0F8ADC0708A5}"/>
+              </a:ext>
+            </a:extLst>
+          </p:cNvPr>
+          <p:cNvSpPr>
+            <a:spLocks noGrp="1"/>
+          </p:cNvSpPr>
+          <p:nvPr>
+            <p:ph idx="1"/>
+          </p:nvPr>
+        </p:nvSpPr>
+        <p:spPr/>
+        <p:txBody>
+          <a:bodyPr/>
+          <a:lstStyle/>
+          <a:p>
+            <a:r>
+              <a:rPr lang="en-IE" dirty="0"/>
+              <a:t>RLS defines the roles on a report level </a:t>
+            </a:r>
+          </a:p>
+          <a:p>
+            <a:r>
+              <a:rPr lang="en-IE" dirty="0"/>
+              <a:t>Roles can be populated in </a:t>
+            </a:r>
+            <a:r>
+              <a:rPr lang="en-IE" dirty="0" err="1"/>
+              <a:t>DataSource</a:t>
+            </a:r>
+            <a:r>
+              <a:rPr lang="en-IE" dirty="0"/>
+              <a:t> security definition in PBI</a:t>
+            </a:r>
+          </a:p>
+          <a:p>
+            <a:endParaRPr lang="en-IE" dirty="0"/>
+          </a:p>
+          <a:p>
+            <a:pPr marL="0" indent="0">
+              <a:buNone/>
+            </a:pPr>
+            <a:r>
+              <a:rPr lang="en-IE" dirty="0"/>
+              <a:t>Cons</a:t>
+            </a:r>
+          </a:p>
+          <a:p>
+            <a:r>
+              <a:rPr lang="en-IE" dirty="0"/>
+              <a:t>Report authors should be extremely careful when defining roles</a:t>
+            </a:r>
+          </a:p>
+          <a:p>
+            <a:r>
+              <a:rPr lang="en-IE" dirty="0"/>
+              <a:t>Somebody needs to manage roles for each report </a:t>
+            </a:r>
+          </a:p>
+          <a:p>
+            <a:r>
+              <a:rPr lang="en-IE" dirty="0"/>
+              <a:t>Possible to create role for every company and populate it with users but this is </a:t>
+            </a:r>
+            <a:r>
+              <a:rPr lang="en-IE"/>
+              <a:t>not scalable</a:t>
+            </a:r>
+            <a:endParaRPr lang="en-IE" dirty="0"/>
+          </a:p>
+          <a:p>
+            <a:endParaRPr lang="en-IE" dirty="0"/>
+          </a:p>
+        </p:txBody>
+      </p:sp>
+    </p:spTree>
+    <p:extLst>
+      <p:ext uri="{BB962C8B-B14F-4D97-AF65-F5344CB8AC3E}">
+        <p14:creationId xmlns:p14="http://schemas.microsoft.com/office/powerpoint/2010/main" val="4063188984"/>
+      </p:ext>
+    </p:extLst>
+  </p:cSld>
+  <p:clrMapOvr>
+    <a:masterClrMapping/>
+  </p:clrMapOvr>
+</p:sld>
+</file>
+
 <file path=ppt/slides/slide2.xml><?xml version="1.0" encoding="utf-8"?>
 <p:sld xmlns:a="http://schemas.openxmlformats.org/drawingml/2006/main" xmlns:r="http://schemas.openxmlformats.org/officeDocument/2006/relationships" xmlns:p="http://schemas.openxmlformats.org/presentationml/2006/main">
   <p:cSld>
@@ -3954,10 +5119,15 @@
               <a:t>Excel File from </a:t>
             </a:r>
             <a:r>
-              <a:rPr lang="en-IE" dirty="0" err="1"/>
+              <a:rPr lang="en-IE" dirty="0">
+                <a:hlinkClick r:id="rId3"/>
+              </a:rPr>
               <a:t>AdventureWorksDW</a:t>
             </a:r>
-            <a:endParaRPr lang="en-IE"/>
+            <a:endParaRPr lang="en-IE" dirty="0"/>
+          </a:p>
+          <a:p>
+            <a:endParaRPr lang="en-IE" dirty="0"/>
           </a:p>
           <a:p>
             <a:endParaRPr lang="en-IE" dirty="0"/>
@@ -3968,6 +5138,718 @@
     <p:extLst>
       <p:ext uri="{BB962C8B-B14F-4D97-AF65-F5344CB8AC3E}">
         <p14:creationId xmlns:p14="http://schemas.microsoft.com/office/powerpoint/2010/main" val="841883478"/>
+      </p:ext>
+    </p:extLst>
+  </p:cSld>
+  <p:clrMapOvr>
+    <a:masterClrMapping/>
+  </p:clrMapOvr>
+</p:sld>
+</file>
+
+<file path=ppt/slides/slide3.xml><?xml version="1.0" encoding="utf-8"?>
+<p:sld xmlns:a="http://schemas.openxmlformats.org/drawingml/2006/main" xmlns:r="http://schemas.openxmlformats.org/officeDocument/2006/relationships" xmlns:p="http://schemas.openxmlformats.org/presentationml/2006/main">
+  <p:cSld>
+    <p:spTree>
+      <p:nvGrpSpPr>
+        <p:cNvPr id="1" name=""/>
+        <p:cNvGrpSpPr/>
+        <p:nvPr/>
+      </p:nvGrpSpPr>
+      <p:grpSpPr>
+        <a:xfrm>
+          <a:off x="0" y="0"/>
+          <a:ext cx="0" cy="0"/>
+          <a:chOff x="0" y="0"/>
+          <a:chExt cx="0" cy="0"/>
+        </a:xfrm>
+      </p:grpSpPr>
+      <p:sp>
+        <p:nvSpPr>
+          <p:cNvPr id="2" name="Title 1">
+            <a:extLst>
+              <a:ext uri="{FF2B5EF4-FFF2-40B4-BE49-F238E27FC236}">
+                <a16:creationId xmlns:a16="http://schemas.microsoft.com/office/drawing/2014/main" id="{2D32EA1E-F550-4D4C-BB6F-77D0DCDDF6D8}"/>
+              </a:ext>
+            </a:extLst>
+          </p:cNvPr>
+          <p:cNvSpPr>
+            <a:spLocks noGrp="1"/>
+          </p:cNvSpPr>
+          <p:nvPr>
+            <p:ph type="title"/>
+          </p:nvPr>
+        </p:nvSpPr>
+        <p:spPr/>
+        <p:txBody>
+          <a:bodyPr/>
+          <a:lstStyle/>
+          <a:p>
+            <a:r>
+              <a:rPr lang="en-IE" dirty="0"/>
+              <a:t>Create Power BI Report</a:t>
+            </a:r>
+          </a:p>
+        </p:txBody>
+      </p:sp>
+      <p:sp>
+        <p:nvSpPr>
+          <p:cNvPr id="3" name="Content Placeholder 2">
+            <a:extLst>
+              <a:ext uri="{FF2B5EF4-FFF2-40B4-BE49-F238E27FC236}">
+                <a16:creationId xmlns:a16="http://schemas.microsoft.com/office/drawing/2014/main" id="{C79E3B80-4650-43F7-9485-A1A0A61D0F94}"/>
+              </a:ext>
+            </a:extLst>
+          </p:cNvPr>
+          <p:cNvSpPr>
+            <a:spLocks noGrp="1"/>
+          </p:cNvSpPr>
+          <p:nvPr>
+            <p:ph idx="1"/>
+          </p:nvPr>
+        </p:nvSpPr>
+        <p:spPr>
+          <a:xfrm>
+            <a:off x="838200" y="1825625"/>
+            <a:ext cx="4908176" cy="4351338"/>
+          </a:xfrm>
+        </p:spPr>
+        <p:txBody>
+          <a:bodyPr/>
+          <a:lstStyle/>
+          <a:p>
+            <a:pPr marL="0" indent="0">
+              <a:buNone/>
+            </a:pPr>
+            <a:r>
+              <a:rPr lang="en-IE" dirty="0"/>
+              <a:t>Import Data </a:t>
+            </a:r>
+          </a:p>
+          <a:p>
+            <a:r>
+              <a:rPr lang="en-IE" dirty="0"/>
+              <a:t>Get Data -&gt; Excel</a:t>
+            </a:r>
+          </a:p>
+          <a:p>
+            <a:r>
+              <a:rPr lang="en-IE" dirty="0"/>
+              <a:t>Browse to the Excel file</a:t>
+            </a:r>
+          </a:p>
+          <a:p>
+            <a:r>
+              <a:rPr lang="en-IE" dirty="0"/>
+              <a:t>Import Selected data </a:t>
+            </a:r>
+          </a:p>
+          <a:p>
+            <a:endParaRPr lang="en-IE" dirty="0"/>
+          </a:p>
+        </p:txBody>
+      </p:sp>
+      <p:pic>
+        <p:nvPicPr>
+          <p:cNvPr id="4" name="Picture 3">
+            <a:extLst>
+              <a:ext uri="{FF2B5EF4-FFF2-40B4-BE49-F238E27FC236}">
+                <a16:creationId xmlns:a16="http://schemas.microsoft.com/office/drawing/2014/main" id="{E02CCB0F-A222-4020-8734-BBA4015A5D33}"/>
+              </a:ext>
+            </a:extLst>
+          </p:cNvPr>
+          <p:cNvPicPr>
+            <a:picLocks noChangeAspect="1"/>
+          </p:cNvPicPr>
+          <p:nvPr/>
+        </p:nvPicPr>
+        <p:blipFill>
+          <a:blip r:embed="rId2"/>
+          <a:stretch>
+            <a:fillRect/>
+          </a:stretch>
+        </p:blipFill>
+        <p:spPr>
+          <a:xfrm>
+            <a:off x="6096000" y="1690688"/>
+            <a:ext cx="5487548" cy="4351338"/>
+          </a:xfrm>
+          <a:prstGeom prst="rect">
+            <a:avLst/>
+          </a:prstGeom>
+        </p:spPr>
+      </p:pic>
+    </p:spTree>
+    <p:extLst>
+      <p:ext uri="{BB962C8B-B14F-4D97-AF65-F5344CB8AC3E}">
+        <p14:creationId xmlns:p14="http://schemas.microsoft.com/office/powerpoint/2010/main" val="1184472984"/>
+      </p:ext>
+    </p:extLst>
+  </p:cSld>
+  <p:clrMapOvr>
+    <a:masterClrMapping/>
+  </p:clrMapOvr>
+</p:sld>
+</file>
+
+<file path=ppt/slides/slide4.xml><?xml version="1.0" encoding="utf-8"?>
+<p:sld xmlns:a="http://schemas.openxmlformats.org/drawingml/2006/main" xmlns:r="http://schemas.openxmlformats.org/officeDocument/2006/relationships" xmlns:p="http://schemas.openxmlformats.org/presentationml/2006/main">
+  <p:cSld>
+    <p:spTree>
+      <p:nvGrpSpPr>
+        <p:cNvPr id="1" name=""/>
+        <p:cNvGrpSpPr/>
+        <p:nvPr/>
+      </p:nvGrpSpPr>
+      <p:grpSpPr>
+        <a:xfrm>
+          <a:off x="0" y="0"/>
+          <a:ext cx="0" cy="0"/>
+          <a:chOff x="0" y="0"/>
+          <a:chExt cx="0" cy="0"/>
+        </a:xfrm>
+      </p:grpSpPr>
+      <p:sp>
+        <p:nvSpPr>
+          <p:cNvPr id="2" name="Title 1">
+            <a:extLst>
+              <a:ext uri="{FF2B5EF4-FFF2-40B4-BE49-F238E27FC236}">
+                <a16:creationId xmlns:a16="http://schemas.microsoft.com/office/drawing/2014/main" id="{38A81892-9928-46FA-85FE-58E5DFD3A3B8}"/>
+              </a:ext>
+            </a:extLst>
+          </p:cNvPr>
+          <p:cNvSpPr>
+            <a:spLocks noGrp="1"/>
+          </p:cNvSpPr>
+          <p:nvPr>
+            <p:ph type="title"/>
+          </p:nvPr>
+        </p:nvSpPr>
+        <p:spPr/>
+        <p:txBody>
+          <a:bodyPr/>
+          <a:lstStyle/>
+          <a:p>
+            <a:r>
+              <a:rPr lang="en-IE" dirty="0"/>
+              <a:t>Data relationships are picked automatically </a:t>
+            </a:r>
+          </a:p>
+        </p:txBody>
+      </p:sp>
+      <p:pic>
+        <p:nvPicPr>
+          <p:cNvPr id="4" name="Content Placeholder 3">
+            <a:extLst>
+              <a:ext uri="{FF2B5EF4-FFF2-40B4-BE49-F238E27FC236}">
+                <a16:creationId xmlns:a16="http://schemas.microsoft.com/office/drawing/2014/main" id="{8585F4AD-0524-4EB7-A0AA-3F15335CF9B6}"/>
+              </a:ext>
+            </a:extLst>
+          </p:cNvPr>
+          <p:cNvPicPr>
+            <a:picLocks noGrp="1" noChangeAspect="1"/>
+          </p:cNvPicPr>
+          <p:nvPr>
+            <p:ph idx="1"/>
+          </p:nvPr>
+        </p:nvPicPr>
+        <p:blipFill>
+          <a:blip r:embed="rId2"/>
+          <a:stretch>
+            <a:fillRect/>
+          </a:stretch>
+        </p:blipFill>
+        <p:spPr>
+          <a:xfrm>
+            <a:off x="2309210" y="1690688"/>
+            <a:ext cx="7430144" cy="3932261"/>
+          </a:xfrm>
+          <a:prstGeom prst="rect">
+            <a:avLst/>
+          </a:prstGeom>
+        </p:spPr>
+      </p:pic>
+    </p:spTree>
+    <p:extLst>
+      <p:ext uri="{BB962C8B-B14F-4D97-AF65-F5344CB8AC3E}">
+        <p14:creationId xmlns:p14="http://schemas.microsoft.com/office/powerpoint/2010/main" val="1342797532"/>
+      </p:ext>
+    </p:extLst>
+  </p:cSld>
+  <p:clrMapOvr>
+    <a:masterClrMapping/>
+  </p:clrMapOvr>
+</p:sld>
+</file>
+
+<file path=ppt/slides/slide5.xml><?xml version="1.0" encoding="utf-8"?>
+<p:sld xmlns:a="http://schemas.openxmlformats.org/drawingml/2006/main" xmlns:r="http://schemas.openxmlformats.org/officeDocument/2006/relationships" xmlns:p="http://schemas.openxmlformats.org/presentationml/2006/main">
+  <p:cSld>
+    <p:spTree>
+      <p:nvGrpSpPr>
+        <p:cNvPr id="1" name=""/>
+        <p:cNvGrpSpPr/>
+        <p:nvPr/>
+      </p:nvGrpSpPr>
+      <p:grpSpPr>
+        <a:xfrm>
+          <a:off x="0" y="0"/>
+          <a:ext cx="0" cy="0"/>
+          <a:chOff x="0" y="0"/>
+          <a:chExt cx="0" cy="0"/>
+        </a:xfrm>
+      </p:grpSpPr>
+      <p:sp>
+        <p:nvSpPr>
+          <p:cNvPr id="2" name="Title 1">
+            <a:extLst>
+              <a:ext uri="{FF2B5EF4-FFF2-40B4-BE49-F238E27FC236}">
+                <a16:creationId xmlns:a16="http://schemas.microsoft.com/office/drawing/2014/main" id="{85BCABE8-BB61-407F-A7EF-4850B25B708A}"/>
+              </a:ext>
+            </a:extLst>
+          </p:cNvPr>
+          <p:cNvSpPr>
+            <a:spLocks noGrp="1"/>
+          </p:cNvSpPr>
+          <p:nvPr>
+            <p:ph type="title"/>
+          </p:nvPr>
+        </p:nvSpPr>
+        <p:spPr/>
+        <p:txBody>
+          <a:bodyPr/>
+          <a:lstStyle/>
+          <a:p>
+            <a:r>
+              <a:rPr lang="en-IE" dirty="0"/>
+              <a:t>Build simple graph report </a:t>
+            </a:r>
+          </a:p>
+        </p:txBody>
+      </p:sp>
+      <p:pic>
+        <p:nvPicPr>
+          <p:cNvPr id="4" name="Content Placeholder 3">
+            <a:extLst>
+              <a:ext uri="{FF2B5EF4-FFF2-40B4-BE49-F238E27FC236}">
+                <a16:creationId xmlns:a16="http://schemas.microsoft.com/office/drawing/2014/main" id="{5D317368-6105-4064-8283-5AF096C4BED6}"/>
+              </a:ext>
+            </a:extLst>
+          </p:cNvPr>
+          <p:cNvPicPr>
+            <a:picLocks noGrp="1" noChangeAspect="1"/>
+          </p:cNvPicPr>
+          <p:nvPr>
+            <p:ph idx="1"/>
+          </p:nvPr>
+        </p:nvPicPr>
+        <p:blipFill>
+          <a:blip r:embed="rId2"/>
+          <a:stretch>
+            <a:fillRect/>
+          </a:stretch>
+        </p:blipFill>
+        <p:spPr>
+          <a:xfrm>
+            <a:off x="2090993" y="1825625"/>
+            <a:ext cx="8010014" cy="4351338"/>
+          </a:xfrm>
+          <a:prstGeom prst="rect">
+            <a:avLst/>
+          </a:prstGeom>
+        </p:spPr>
+      </p:pic>
+    </p:spTree>
+    <p:extLst>
+      <p:ext uri="{BB962C8B-B14F-4D97-AF65-F5344CB8AC3E}">
+        <p14:creationId xmlns:p14="http://schemas.microsoft.com/office/powerpoint/2010/main" val="3125920893"/>
+      </p:ext>
+    </p:extLst>
+  </p:cSld>
+  <p:clrMapOvr>
+    <a:masterClrMapping/>
+  </p:clrMapOvr>
+</p:sld>
+</file>
+
+<file path=ppt/slides/slide6.xml><?xml version="1.0" encoding="utf-8"?>
+<p:sld xmlns:a="http://schemas.openxmlformats.org/drawingml/2006/main" xmlns:r="http://schemas.openxmlformats.org/officeDocument/2006/relationships" xmlns:p="http://schemas.openxmlformats.org/presentationml/2006/main">
+  <p:cSld>
+    <p:spTree>
+      <p:nvGrpSpPr>
+        <p:cNvPr id="1" name=""/>
+        <p:cNvGrpSpPr/>
+        <p:nvPr/>
+      </p:nvGrpSpPr>
+      <p:grpSpPr>
+        <a:xfrm>
+          <a:off x="0" y="0"/>
+          <a:ext cx="0" cy="0"/>
+          <a:chOff x="0" y="0"/>
+          <a:chExt cx="0" cy="0"/>
+        </a:xfrm>
+      </p:grpSpPr>
+      <p:sp>
+        <p:nvSpPr>
+          <p:cNvPr id="2" name="Title 1">
+            <a:extLst>
+              <a:ext uri="{FF2B5EF4-FFF2-40B4-BE49-F238E27FC236}">
+                <a16:creationId xmlns:a16="http://schemas.microsoft.com/office/drawing/2014/main" id="{49DFAB6F-12C9-44B9-AF6B-292F0E46B6B8}"/>
+              </a:ext>
+            </a:extLst>
+          </p:cNvPr>
+          <p:cNvSpPr>
+            <a:spLocks noGrp="1"/>
+          </p:cNvSpPr>
+          <p:nvPr>
+            <p:ph type="title"/>
+          </p:nvPr>
+        </p:nvSpPr>
+        <p:spPr/>
+        <p:txBody>
+          <a:bodyPr/>
+          <a:lstStyle/>
+          <a:p>
+            <a:r>
+              <a:rPr lang="en-IE" dirty="0"/>
+              <a:t>Add vCard and 2 slicers</a:t>
+            </a:r>
+          </a:p>
+        </p:txBody>
+      </p:sp>
+      <p:pic>
+        <p:nvPicPr>
+          <p:cNvPr id="4" name="Content Placeholder 3">
+            <a:extLst>
+              <a:ext uri="{FF2B5EF4-FFF2-40B4-BE49-F238E27FC236}">
+                <a16:creationId xmlns:a16="http://schemas.microsoft.com/office/drawing/2014/main" id="{5DBC22C0-A00E-45C0-99A2-81F08A78403E}"/>
+              </a:ext>
+            </a:extLst>
+          </p:cNvPr>
+          <p:cNvPicPr>
+            <a:picLocks noGrp="1" noChangeAspect="1"/>
+          </p:cNvPicPr>
+          <p:nvPr>
+            <p:ph idx="1"/>
+          </p:nvPr>
+        </p:nvPicPr>
+        <p:blipFill>
+          <a:blip r:embed="rId2"/>
+          <a:stretch>
+            <a:fillRect/>
+          </a:stretch>
+        </p:blipFill>
+        <p:spPr>
+          <a:xfrm>
+            <a:off x="2201495" y="1825625"/>
+            <a:ext cx="7789009" cy="4351338"/>
+          </a:xfrm>
+          <a:prstGeom prst="rect">
+            <a:avLst/>
+          </a:prstGeom>
+        </p:spPr>
+      </p:pic>
+    </p:spTree>
+    <p:extLst>
+      <p:ext uri="{BB962C8B-B14F-4D97-AF65-F5344CB8AC3E}">
+        <p14:creationId xmlns:p14="http://schemas.microsoft.com/office/powerpoint/2010/main" val="1846988135"/>
+      </p:ext>
+    </p:extLst>
+  </p:cSld>
+  <p:clrMapOvr>
+    <a:masterClrMapping/>
+  </p:clrMapOvr>
+</p:sld>
+</file>
+
+<file path=ppt/slides/slide7.xml><?xml version="1.0" encoding="utf-8"?>
+<p:sld xmlns:a="http://schemas.openxmlformats.org/drawingml/2006/main" xmlns:r="http://schemas.openxmlformats.org/officeDocument/2006/relationships" xmlns:p="http://schemas.openxmlformats.org/presentationml/2006/main">
+  <p:cSld>
+    <p:spTree>
+      <p:nvGrpSpPr>
+        <p:cNvPr id="1" name=""/>
+        <p:cNvGrpSpPr/>
+        <p:nvPr/>
+      </p:nvGrpSpPr>
+      <p:grpSpPr>
+        <a:xfrm>
+          <a:off x="0" y="0"/>
+          <a:ext cx="0" cy="0"/>
+          <a:chOff x="0" y="0"/>
+          <a:chExt cx="0" cy="0"/>
+        </a:xfrm>
+      </p:grpSpPr>
+      <p:sp>
+        <p:nvSpPr>
+          <p:cNvPr id="4" name="Title 3">
+            <a:extLst>
+              <a:ext uri="{FF2B5EF4-FFF2-40B4-BE49-F238E27FC236}">
+                <a16:creationId xmlns:a16="http://schemas.microsoft.com/office/drawing/2014/main" id="{740634EA-8516-4B25-8C00-CEAD3ABEABD1}"/>
+              </a:ext>
+            </a:extLst>
+          </p:cNvPr>
+          <p:cNvSpPr>
+            <a:spLocks noGrp="1"/>
+          </p:cNvSpPr>
+          <p:nvPr>
+            <p:ph type="title"/>
+          </p:nvPr>
+        </p:nvSpPr>
+        <p:spPr/>
+        <p:txBody>
+          <a:bodyPr/>
+          <a:lstStyle/>
+          <a:p>
+            <a:r>
+              <a:rPr lang="en-IE" dirty="0"/>
+              <a:t>Let’s create Roles</a:t>
+            </a:r>
+          </a:p>
+        </p:txBody>
+      </p:sp>
+      <p:sp>
+        <p:nvSpPr>
+          <p:cNvPr id="5" name="Text Placeholder 4">
+            <a:extLst>
+              <a:ext uri="{FF2B5EF4-FFF2-40B4-BE49-F238E27FC236}">
+                <a16:creationId xmlns:a16="http://schemas.microsoft.com/office/drawing/2014/main" id="{7E984A3C-4697-4DF0-B025-CF683C30189F}"/>
+              </a:ext>
+            </a:extLst>
+          </p:cNvPr>
+          <p:cNvSpPr>
+            <a:spLocks noGrp="1"/>
+          </p:cNvSpPr>
+          <p:nvPr>
+            <p:ph type="body" idx="1"/>
+          </p:nvPr>
+        </p:nvSpPr>
+        <p:spPr/>
+        <p:txBody>
+          <a:bodyPr/>
+          <a:lstStyle/>
+          <a:p>
+            <a:endParaRPr lang="en-IE"/>
+          </a:p>
+        </p:txBody>
+      </p:sp>
+    </p:spTree>
+    <p:extLst>
+      <p:ext uri="{BB962C8B-B14F-4D97-AF65-F5344CB8AC3E}">
+        <p14:creationId xmlns:p14="http://schemas.microsoft.com/office/powerpoint/2010/main" val="3416541509"/>
+      </p:ext>
+    </p:extLst>
+  </p:cSld>
+  <p:clrMapOvr>
+    <a:masterClrMapping/>
+  </p:clrMapOvr>
+</p:sld>
+</file>
+
+<file path=ppt/slides/slide8.xml><?xml version="1.0" encoding="utf-8"?>
+<p:sld xmlns:a="http://schemas.openxmlformats.org/drawingml/2006/main" xmlns:r="http://schemas.openxmlformats.org/officeDocument/2006/relationships" xmlns:p="http://schemas.openxmlformats.org/presentationml/2006/main">
+  <p:cSld>
+    <p:spTree>
+      <p:nvGrpSpPr>
+        <p:cNvPr id="1" name=""/>
+        <p:cNvGrpSpPr/>
+        <p:nvPr/>
+      </p:nvGrpSpPr>
+      <p:grpSpPr>
+        <a:xfrm>
+          <a:off x="0" y="0"/>
+          <a:ext cx="0" cy="0"/>
+          <a:chOff x="0" y="0"/>
+          <a:chExt cx="0" cy="0"/>
+        </a:xfrm>
+      </p:grpSpPr>
+      <p:sp>
+        <p:nvSpPr>
+          <p:cNvPr id="2" name="Title 1">
+            <a:extLst>
+              <a:ext uri="{FF2B5EF4-FFF2-40B4-BE49-F238E27FC236}">
+                <a16:creationId xmlns:a16="http://schemas.microsoft.com/office/drawing/2014/main" id="{44D56C25-D444-43E4-A0E1-0DFCF04A931B}"/>
+              </a:ext>
+            </a:extLst>
+          </p:cNvPr>
+          <p:cNvSpPr>
+            <a:spLocks noGrp="1"/>
+          </p:cNvSpPr>
+          <p:nvPr>
+            <p:ph type="title"/>
+          </p:nvPr>
+        </p:nvSpPr>
+        <p:spPr/>
+        <p:txBody>
+          <a:bodyPr/>
+          <a:lstStyle/>
+          <a:p>
+            <a:r>
+              <a:rPr lang="en-IE" dirty="0"/>
+              <a:t>Role creation is accessible from Manage Role</a:t>
+            </a:r>
+          </a:p>
+        </p:txBody>
+      </p:sp>
+      <p:pic>
+        <p:nvPicPr>
+          <p:cNvPr id="1026" name="Picture 2">
+            <a:extLst>
+              <a:ext uri="{FF2B5EF4-FFF2-40B4-BE49-F238E27FC236}">
+                <a16:creationId xmlns:a16="http://schemas.microsoft.com/office/drawing/2014/main" id="{755D04D1-171D-4E55-99D6-5919CA581613}"/>
+              </a:ext>
+            </a:extLst>
+          </p:cNvPr>
+          <p:cNvPicPr>
+            <a:picLocks noGrp="1" noChangeAspect="1" noChangeArrowheads="1"/>
+          </p:cNvPicPr>
+          <p:nvPr>
+            <p:ph idx="1"/>
+          </p:nvPr>
+        </p:nvPicPr>
+        <p:blipFill>
+          <a:blip r:embed="rId2">
+            <a:extLst>
+              <a:ext uri="{28A0092B-C50C-407E-A947-70E740481C1C}">
+                <a14:useLocalDpi xmlns:a14="http://schemas.microsoft.com/office/drawing/2010/main" val="0"/>
+              </a:ext>
+            </a:extLst>
+          </a:blip>
+          <a:srcRect/>
+          <a:stretch>
+            <a:fillRect/>
+          </a:stretch>
+        </p:blipFill>
+        <p:spPr bwMode="auto">
+          <a:xfrm>
+            <a:off x="1829454" y="1757240"/>
+            <a:ext cx="7851774" cy="1762838"/>
+          </a:xfrm>
+          <a:prstGeom prst="rect">
+            <a:avLst/>
+          </a:prstGeom>
+          <a:noFill/>
+          <a:extLst>
+            <a:ext uri="{909E8E84-426E-40DD-AFC4-6F175D3DCCD1}">
+              <a14:hiddenFill xmlns:a14="http://schemas.microsoft.com/office/drawing/2010/main">
+                <a:solidFill>
+                  <a:srgbClr val="FFFFFF"/>
+                </a:solidFill>
+              </a14:hiddenFill>
+            </a:ext>
+          </a:extLst>
+        </p:spPr>
+      </p:pic>
+    </p:spTree>
+    <p:extLst>
+      <p:ext uri="{BB962C8B-B14F-4D97-AF65-F5344CB8AC3E}">
+        <p14:creationId xmlns:p14="http://schemas.microsoft.com/office/powerpoint/2010/main" val="1165360099"/>
+      </p:ext>
+    </p:extLst>
+  </p:cSld>
+  <p:clrMapOvr>
+    <a:masterClrMapping/>
+  </p:clrMapOvr>
+</p:sld>
+</file>
+
+<file path=ppt/slides/slide9.xml><?xml version="1.0" encoding="utf-8"?>
+<p:sld xmlns:a="http://schemas.openxmlformats.org/drawingml/2006/main" xmlns:r="http://schemas.openxmlformats.org/officeDocument/2006/relationships" xmlns:p="http://schemas.openxmlformats.org/presentationml/2006/main">
+  <p:cSld>
+    <p:spTree>
+      <p:nvGrpSpPr>
+        <p:cNvPr id="1" name=""/>
+        <p:cNvGrpSpPr/>
+        <p:nvPr/>
+      </p:nvGrpSpPr>
+      <p:grpSpPr>
+        <a:xfrm>
+          <a:off x="0" y="0"/>
+          <a:ext cx="0" cy="0"/>
+          <a:chOff x="0" y="0"/>
+          <a:chExt cx="0" cy="0"/>
+        </a:xfrm>
+      </p:grpSpPr>
+      <p:sp>
+        <p:nvSpPr>
+          <p:cNvPr id="2" name="Title 1">
+            <a:extLst>
+              <a:ext uri="{FF2B5EF4-FFF2-40B4-BE49-F238E27FC236}">
+                <a16:creationId xmlns:a16="http://schemas.microsoft.com/office/drawing/2014/main" id="{E4FF9C48-0808-4FB3-82AE-A1C313C89DEA}"/>
+              </a:ext>
+            </a:extLst>
+          </p:cNvPr>
+          <p:cNvSpPr>
+            <a:spLocks noGrp="1"/>
+          </p:cNvSpPr>
+          <p:nvPr>
+            <p:ph type="title"/>
+          </p:nvPr>
+        </p:nvSpPr>
+        <p:spPr/>
+        <p:txBody>
+          <a:bodyPr/>
+          <a:lstStyle/>
+          <a:p>
+            <a:r>
+              <a:rPr lang="en-IE" dirty="0"/>
+              <a:t>Create Name of the Role and set up filter</a:t>
+            </a:r>
+          </a:p>
+        </p:txBody>
+      </p:sp>
+      <p:pic>
+        <p:nvPicPr>
+          <p:cNvPr id="2050" name="Picture 2">
+            <a:extLst>
+              <a:ext uri="{FF2B5EF4-FFF2-40B4-BE49-F238E27FC236}">
+                <a16:creationId xmlns:a16="http://schemas.microsoft.com/office/drawing/2014/main" id="{A94CA390-BB79-41AC-8968-CD0A589F6823}"/>
+              </a:ext>
+            </a:extLst>
+          </p:cNvPr>
+          <p:cNvPicPr>
+            <a:picLocks noGrp="1" noChangeAspect="1" noChangeArrowheads="1"/>
+          </p:cNvPicPr>
+          <p:nvPr>
+            <p:ph idx="1"/>
+          </p:nvPr>
+        </p:nvPicPr>
+        <p:blipFill>
+          <a:blip r:embed="rId2">
+            <a:extLst>
+              <a:ext uri="{28A0092B-C50C-407E-A947-70E740481C1C}">
+                <a14:useLocalDpi xmlns:a14="http://schemas.microsoft.com/office/drawing/2010/main" val="0"/>
+              </a:ext>
+            </a:extLst>
+          </a:blip>
+          <a:srcRect/>
+          <a:stretch>
+            <a:fillRect/>
+          </a:stretch>
+        </p:blipFill>
+        <p:spPr bwMode="auto">
+          <a:xfrm>
+            <a:off x="2468609" y="1825625"/>
+            <a:ext cx="7254782" cy="4351338"/>
+          </a:xfrm>
+          <a:prstGeom prst="rect">
+            <a:avLst/>
+          </a:prstGeom>
+          <a:noFill/>
+          <a:extLst>
+            <a:ext uri="{909E8E84-426E-40DD-AFC4-6F175D3DCCD1}">
+              <a14:hiddenFill xmlns:a14="http://schemas.microsoft.com/office/drawing/2010/main">
+                <a:solidFill>
+                  <a:srgbClr val="FFFFFF"/>
+                </a:solidFill>
+              </a14:hiddenFill>
+            </a:ext>
+          </a:extLst>
+        </p:spPr>
+      </p:pic>
+    </p:spTree>
+    <p:extLst>
+      <p:ext uri="{BB962C8B-B14F-4D97-AF65-F5344CB8AC3E}">
+        <p14:creationId xmlns:p14="http://schemas.microsoft.com/office/powerpoint/2010/main" val="757520262"/>
       </p:ext>
     </p:extLst>
   </p:cSld>
